--- a/CppScheme/GlobalVariable.pptx
+++ b/CppScheme/GlobalVariable.pptx
@@ -3016,8 +3016,7 @@
           <a:p>
             <a:pPr algn="ctr"/>
             <a:r>
-              <a:rPr lang="en-US" altLang="zh-CN" sz="1050" dirty="0" smtClean="0">
-                <a:latin typeface="Consolas" panose="020B0609020204030204" pitchFamily="49" charset="0"/>
+              <a:rPr lang="en-US" altLang="zh-CN" sz="1400" dirty="0" smtClean="0">
                 <a:cs typeface="Consolas" panose="020B0609020204030204" pitchFamily="49" charset="0"/>
               </a:rPr>
               <a:t>Map</a:t>
@@ -3026,14 +3025,12 @@
           <a:p>
             <a:pPr algn="ctr"/>
             <a:r>
-              <a:rPr lang="en-US" altLang="zh-CN" sz="1050" dirty="0" smtClean="0">
-                <a:latin typeface="Consolas" panose="020B0609020204030204" pitchFamily="49" charset="0"/>
+              <a:rPr lang="en-US" altLang="zh-CN" sz="1400" dirty="0" smtClean="0">
                 <a:cs typeface="Consolas" panose="020B0609020204030204" pitchFamily="49" charset="0"/>
               </a:rPr>
               <a:t>&lt;std::string, Object*&gt;</a:t>
             </a:r>
-            <a:endParaRPr lang="zh-CN" altLang="en-US" sz="1050" dirty="0">
-              <a:latin typeface="Consolas" panose="020B0609020204030204" pitchFamily="49" charset="0"/>
+            <a:endParaRPr lang="zh-CN" altLang="en-US" sz="1400" dirty="0">
               <a:cs typeface="Consolas" panose="020B0609020204030204" pitchFamily="49" charset="0"/>
             </a:endParaRPr>
           </a:p>
@@ -3047,8 +3044,8 @@
         </p:nvSpPr>
         <p:spPr>
           <a:xfrm>
-            <a:off x="940157" y="2923505"/>
-            <a:ext cx="965915" cy="1017431"/>
+            <a:off x="940157" y="2923503"/>
+            <a:ext cx="965915" cy="746978"/>
           </a:xfrm>
           <a:prstGeom prst="rect">
             <a:avLst/>
@@ -3086,8 +3083,7 @@
           <a:p>
             <a:pPr algn="ctr"/>
             <a:r>
-              <a:rPr lang="en-US" altLang="zh-CN" sz="1100" dirty="0" smtClean="0">
-                <a:latin typeface="Consolas" panose="020B0609020204030204" pitchFamily="49" charset="0"/>
+              <a:rPr lang="en-US" altLang="zh-CN" sz="1600" dirty="0" smtClean="0">
                 <a:cs typeface="Consolas" panose="020B0609020204030204" pitchFamily="49" charset="0"/>
               </a:rPr>
               <a:t>Pointer Local Variable</a:t>
@@ -3103,8 +3099,8 @@
         </p:nvSpPr>
         <p:spPr>
           <a:xfrm>
-            <a:off x="1906072" y="2923504"/>
-            <a:ext cx="940158" cy="1017431"/>
+            <a:off x="1906072" y="2923502"/>
+            <a:ext cx="940158" cy="746978"/>
           </a:xfrm>
           <a:prstGeom prst="rect">
             <a:avLst/>
@@ -3142,8 +3138,7 @@
           <a:p>
             <a:pPr algn="ctr"/>
             <a:r>
-              <a:rPr lang="en-US" altLang="zh-CN" sz="1100" dirty="0" smtClean="0">
-                <a:latin typeface="Consolas" panose="020B0609020204030204" pitchFamily="49" charset="0"/>
+              <a:rPr lang="en-US" altLang="zh-CN" sz="1600" dirty="0" smtClean="0">
                 <a:cs typeface="Consolas" panose="020B0609020204030204" pitchFamily="49" charset="0"/>
               </a:rPr>
               <a:t>Next</a:t>
@@ -3152,14 +3147,12 @@
           <a:p>
             <a:pPr algn="ctr"/>
             <a:r>
-              <a:rPr lang="en-US" altLang="zh-CN" sz="1100" dirty="0" smtClean="0">
-                <a:latin typeface="Consolas" panose="020B0609020204030204" pitchFamily="49" charset="0"/>
+              <a:rPr lang="en-US" altLang="zh-CN" sz="1600" dirty="0" smtClean="0">
                 <a:cs typeface="Consolas" panose="020B0609020204030204" pitchFamily="49" charset="0"/>
               </a:rPr>
               <a:t>pointer</a:t>
             </a:r>
-            <a:endParaRPr lang="zh-CN" altLang="en-US" sz="1100" dirty="0">
-              <a:latin typeface="Consolas" panose="020B0609020204030204" pitchFamily="49" charset="0"/>
+            <a:endParaRPr lang="zh-CN" altLang="en-US" sz="1600" dirty="0">
               <a:cs typeface="Consolas" panose="020B0609020204030204" pitchFamily="49" charset="0"/>
             </a:endParaRPr>
           </a:p>
@@ -3209,8 +3202,7 @@
           <a:lstStyle/>
           <a:p>
             <a:pPr algn="ctr"/>
-            <a:endParaRPr lang="zh-CN" altLang="en-US" sz="1100">
-              <a:latin typeface="Consolas" panose="020B0609020204030204" pitchFamily="49" charset="0"/>
+            <a:endParaRPr lang="zh-CN" altLang="en-US" sz="1600">
               <a:cs typeface="Consolas" panose="020B0609020204030204" pitchFamily="49" charset="0"/>
             </a:endParaRPr>
           </a:p>
@@ -3225,7 +3217,7 @@
         <p:spPr>
           <a:xfrm>
             <a:off x="3825024" y="2923505"/>
-            <a:ext cx="965915" cy="1017431"/>
+            <a:ext cx="965915" cy="746975"/>
           </a:xfrm>
           <a:prstGeom prst="rect">
             <a:avLst/>
@@ -3263,8 +3255,7 @@
           <a:p>
             <a:pPr algn="ctr"/>
             <a:r>
-              <a:rPr lang="en-US" altLang="zh-CN" sz="1100" dirty="0" smtClean="0">
-                <a:latin typeface="Consolas" panose="020B0609020204030204" pitchFamily="49" charset="0"/>
+              <a:rPr lang="en-US" altLang="zh-CN" sz="1600" dirty="0" smtClean="0">
                 <a:cs typeface="Consolas" panose="020B0609020204030204" pitchFamily="49" charset="0"/>
               </a:rPr>
               <a:t>pointer Local Variable</a:t>
@@ -3281,7 +3272,7 @@
         <p:spPr>
           <a:xfrm>
             <a:off x="4790939" y="2923504"/>
-            <a:ext cx="940158" cy="1017431"/>
+            <a:ext cx="940158" cy="746975"/>
           </a:xfrm>
           <a:prstGeom prst="rect">
             <a:avLst/>
@@ -3319,8 +3310,7 @@
           <a:p>
             <a:pPr algn="ctr"/>
             <a:r>
-              <a:rPr lang="en-US" altLang="zh-CN" sz="1100" dirty="0" smtClean="0">
-                <a:latin typeface="Consolas" panose="020B0609020204030204" pitchFamily="49" charset="0"/>
+              <a:rPr lang="en-US" altLang="zh-CN" sz="1600" dirty="0" smtClean="0">
                 <a:cs typeface="Consolas" panose="020B0609020204030204" pitchFamily="49" charset="0"/>
               </a:rPr>
               <a:t>Next</a:t>
@@ -3329,14 +3319,12 @@
           <a:p>
             <a:pPr algn="ctr"/>
             <a:r>
-              <a:rPr lang="en-US" altLang="zh-CN" sz="1100" dirty="0" smtClean="0">
-                <a:latin typeface="Consolas" panose="020B0609020204030204" pitchFamily="49" charset="0"/>
+              <a:rPr lang="en-US" altLang="zh-CN" sz="1600" dirty="0" smtClean="0">
                 <a:cs typeface="Consolas" panose="020B0609020204030204" pitchFamily="49" charset="0"/>
               </a:rPr>
               <a:t>pointer</a:t>
             </a:r>
-            <a:endParaRPr lang="zh-CN" altLang="en-US" sz="1100" dirty="0">
-              <a:latin typeface="Consolas" panose="020B0609020204030204" pitchFamily="49" charset="0"/>
+            <a:endParaRPr lang="zh-CN" altLang="en-US" sz="1600" dirty="0">
               <a:cs typeface="Consolas" panose="020B0609020204030204" pitchFamily="49" charset="0"/>
             </a:endParaRPr>
           </a:p>
@@ -3386,8 +3374,7 @@
           <a:lstStyle/>
           <a:p>
             <a:pPr algn="ctr"/>
-            <a:endParaRPr lang="zh-CN" altLang="en-US" sz="1100">
-              <a:latin typeface="Consolas" panose="020B0609020204030204" pitchFamily="49" charset="0"/>
+            <a:endParaRPr lang="zh-CN" altLang="en-US" sz="1600">
               <a:cs typeface="Consolas" panose="020B0609020204030204" pitchFamily="49" charset="0"/>
             </a:endParaRPr>
           </a:p>
@@ -3401,8 +3388,8 @@
         </p:nvSpPr>
         <p:spPr>
           <a:xfrm>
-            <a:off x="6671255" y="2923503"/>
-            <a:ext cx="965915" cy="1017431"/>
+            <a:off x="6671255" y="2923504"/>
+            <a:ext cx="965915" cy="746976"/>
           </a:xfrm>
           <a:prstGeom prst="rect">
             <a:avLst/>
@@ -3537,8 +3524,7 @@
           <a:p>
             <a:pPr algn="ctr"/>
             <a:r>
-              <a:rPr lang="en-US" altLang="zh-CN" sz="1100" dirty="0" smtClean="0">
-                <a:latin typeface="Consolas" panose="020B0609020204030204" pitchFamily="49" charset="0"/>
+              <a:rPr lang="en-US" altLang="zh-CN" sz="1600" dirty="0" smtClean="0">
                 <a:cs typeface="Consolas" panose="020B0609020204030204" pitchFamily="49" charset="0"/>
               </a:rPr>
               <a:t>Global</a:t>
@@ -3547,8 +3533,7 @@
           <a:p>
             <a:pPr algn="ctr"/>
             <a:r>
-              <a:rPr lang="en-US" altLang="zh-CN" sz="1100" dirty="0" smtClean="0">
-                <a:latin typeface="Consolas" panose="020B0609020204030204" pitchFamily="49" charset="0"/>
+              <a:rPr lang="en-US" altLang="zh-CN" sz="1600" dirty="0" smtClean="0">
                 <a:cs typeface="Consolas" panose="020B0609020204030204" pitchFamily="49" charset="0"/>
               </a:rPr>
               <a:t>Variable</a:t>
@@ -3557,14 +3542,12 @@
           <a:p>
             <a:pPr algn="ctr"/>
             <a:r>
-              <a:rPr lang="en-US" altLang="zh-CN" sz="1100" dirty="0" smtClean="0">
-                <a:latin typeface="Consolas" panose="020B0609020204030204" pitchFamily="49" charset="0"/>
+              <a:rPr lang="en-US" altLang="zh-CN" sz="1600" dirty="0" smtClean="0">
                 <a:cs typeface="Consolas" panose="020B0609020204030204" pitchFamily="49" charset="0"/>
               </a:rPr>
               <a:t>pointer</a:t>
             </a:r>
-            <a:endParaRPr lang="zh-CN" altLang="en-US" sz="1100" dirty="0">
-              <a:latin typeface="Consolas" panose="020B0609020204030204" pitchFamily="49" charset="0"/>
+            <a:endParaRPr lang="zh-CN" altLang="en-US" sz="1600" dirty="0">
               <a:cs typeface="Consolas" panose="020B0609020204030204" pitchFamily="49" charset="0"/>
             </a:endParaRPr>
           </a:p>
@@ -3578,8 +3561,8 @@
         </p:nvSpPr>
         <p:spPr>
           <a:xfrm>
-            <a:off x="7637170" y="2923502"/>
-            <a:ext cx="940158" cy="1017431"/>
+            <a:off x="7637170" y="2923503"/>
+            <a:ext cx="940158" cy="746976"/>
           </a:xfrm>
           <a:prstGeom prst="rect">
             <a:avLst/>
@@ -3714,12 +3697,11 @@
           <a:p>
             <a:pPr algn="ctr"/>
             <a:r>
-              <a:rPr lang="en-US" altLang="zh-CN" sz="1100" dirty="0" smtClean="0">
+              <a:rPr lang="en-US" altLang="zh-CN" sz="1600" dirty="0" smtClean="0">
                 <a:ln w="0"/>
                 <a:solidFill>
-                  <a:srgbClr val="FF0000"/>
+                  <a:schemeClr val="bg1"/>
                 </a:solidFill>
-                <a:latin typeface="Consolas" panose="020B0609020204030204" pitchFamily="49" charset="0"/>
                 <a:cs typeface="Consolas" panose="020B0609020204030204" pitchFamily="49" charset="0"/>
               </a:rPr>
               <a:t>nullptr</a:t>
@@ -3728,22 +3710,20 @@
           <a:p>
             <a:pPr algn="ctr"/>
             <a:r>
-              <a:rPr lang="en-US" altLang="zh-CN" sz="1100" dirty="0" smtClean="0">
+              <a:rPr lang="en-US" altLang="zh-CN" sz="1600" dirty="0" smtClean="0">
                 <a:ln w="0"/>
                 <a:solidFill>
-                  <a:srgbClr val="FF0000"/>
+                  <a:schemeClr val="bg1"/>
                 </a:solidFill>
-                <a:latin typeface="Consolas" panose="020B0609020204030204" pitchFamily="49" charset="0"/>
                 <a:cs typeface="Consolas" panose="020B0609020204030204" pitchFamily="49" charset="0"/>
               </a:rPr>
               <a:t>pointer</a:t>
             </a:r>
-            <a:endParaRPr lang="zh-CN" altLang="en-US" sz="1100" dirty="0">
+            <a:endParaRPr lang="zh-CN" altLang="en-US" sz="1600" dirty="0">
               <a:ln w="0"/>
               <a:solidFill>
-                <a:srgbClr val="FF0000"/>
+                <a:schemeClr val="bg1"/>
               </a:solidFill>
-              <a:latin typeface="Consolas" panose="020B0609020204030204" pitchFamily="49" charset="0"/>
               <a:cs typeface="Consolas" panose="020B0609020204030204" pitchFamily="49" charset="0"/>
             </a:endParaRPr>
           </a:p>
@@ -3757,7 +3737,7 @@
         </p:nvSpPr>
         <p:spPr>
           <a:xfrm>
-            <a:off x="3244571" y="4958365"/>
+            <a:off x="3245720" y="4958365"/>
             <a:ext cx="2126818" cy="1313645"/>
           </a:xfrm>
           <a:prstGeom prst="triangle">
@@ -3796,8 +3776,7 @@
           <a:p>
             <a:pPr algn="ctr"/>
             <a:r>
-              <a:rPr lang="en-US" altLang="zh-CN" sz="1050" dirty="0" smtClean="0">
-                <a:latin typeface="Consolas" panose="020B0609020204030204" pitchFamily="49" charset="0"/>
+              <a:rPr lang="en-US" altLang="zh-CN" sz="1400" dirty="0" smtClean="0">
                 <a:cs typeface="Consolas" panose="020B0609020204030204" pitchFamily="49" charset="0"/>
               </a:rPr>
               <a:t>Map</a:t>
@@ -3806,14 +3785,12 @@
           <a:p>
             <a:pPr algn="ctr"/>
             <a:r>
-              <a:rPr lang="en-US" altLang="zh-CN" sz="1050" dirty="0" smtClean="0">
-                <a:latin typeface="Consolas" panose="020B0609020204030204" pitchFamily="49" charset="0"/>
+              <a:rPr lang="en-US" altLang="zh-CN" sz="1400" dirty="0" smtClean="0">
                 <a:cs typeface="Consolas" panose="020B0609020204030204" pitchFamily="49" charset="0"/>
               </a:rPr>
               <a:t>&lt;std::string, Object*&gt;</a:t>
             </a:r>
-            <a:endParaRPr lang="zh-CN" altLang="en-US" sz="1050" dirty="0">
-              <a:latin typeface="Consolas" panose="020B0609020204030204" pitchFamily="49" charset="0"/>
+            <a:endParaRPr lang="zh-CN" altLang="en-US" sz="1400" dirty="0">
               <a:cs typeface="Consolas" panose="020B0609020204030204" pitchFamily="49" charset="0"/>
             </a:endParaRPr>
           </a:p>
@@ -3827,7 +3804,7 @@
         </p:nvSpPr>
         <p:spPr>
           <a:xfrm>
-            <a:off x="6123902" y="4958365"/>
+            <a:off x="6131735" y="4796827"/>
             <a:ext cx="2126818" cy="1313645"/>
           </a:xfrm>
           <a:prstGeom prst="triangle">
@@ -3963,8 +3940,7 @@
           <a:p>
             <a:pPr algn="ctr"/>
             <a:r>
-              <a:rPr lang="en-US" altLang="zh-CN" sz="1050" dirty="0" smtClean="0">
-                <a:latin typeface="Consolas" panose="020B0609020204030204" pitchFamily="49" charset="0"/>
+              <a:rPr lang="en-US" altLang="zh-CN" sz="1400" dirty="0" smtClean="0">
                 <a:cs typeface="Consolas" panose="020B0609020204030204" pitchFamily="49" charset="0"/>
               </a:rPr>
               <a:t>Map</a:t>
@@ -3973,14 +3949,12 @@
           <a:p>
             <a:pPr algn="ctr"/>
             <a:r>
-              <a:rPr lang="en-US" altLang="zh-CN" sz="1050" dirty="0" smtClean="0">
-                <a:latin typeface="Consolas" panose="020B0609020204030204" pitchFamily="49" charset="0"/>
+              <a:rPr lang="en-US" altLang="zh-CN" sz="1400" dirty="0" smtClean="0">
                 <a:cs typeface="Consolas" panose="020B0609020204030204" pitchFamily="49" charset="0"/>
               </a:rPr>
               <a:t>&lt;std::string, Object*&gt;</a:t>
             </a:r>
-            <a:endParaRPr lang="zh-CN" altLang="en-US" sz="1050" dirty="0">
-              <a:latin typeface="Consolas" panose="020B0609020204030204" pitchFamily="49" charset="0"/>
+            <a:endParaRPr lang="zh-CN" altLang="en-US" sz="1400" dirty="0">
               <a:cs typeface="Consolas" panose="020B0609020204030204" pitchFamily="49" charset="0"/>
             </a:endParaRPr>
           </a:p>
@@ -4030,8 +4004,7 @@
           <a:lstStyle/>
           <a:p>
             <a:pPr algn="ctr"/>
-            <a:endParaRPr lang="zh-CN" altLang="en-US" sz="1100">
-              <a:latin typeface="Consolas" panose="020B0609020204030204" pitchFamily="49" charset="0"/>
+            <a:endParaRPr lang="zh-CN" altLang="en-US" sz="1600">
               <a:cs typeface="Consolas" panose="020B0609020204030204" pitchFamily="49" charset="0"/>
             </a:endParaRPr>
           </a:p>
@@ -4045,8 +4018,8 @@
         </p:nvSpPr>
         <p:spPr>
           <a:xfrm rot="2186425">
-            <a:off x="3935396" y="933610"/>
-            <a:ext cx="965915" cy="1017431"/>
+            <a:off x="4030709" y="964985"/>
+            <a:ext cx="965915" cy="696503"/>
           </a:xfrm>
           <a:prstGeom prst="rect">
             <a:avLst/>
@@ -4084,8 +4057,7 @@
           <a:p>
             <a:pPr algn="ctr"/>
             <a:r>
-              <a:rPr lang="en-US" altLang="zh-CN" sz="1100" dirty="0" smtClean="0">
-                <a:latin typeface="Consolas" panose="020B0609020204030204" pitchFamily="49" charset="0"/>
+              <a:rPr lang="en-US" altLang="zh-CN" sz="1600" dirty="0" smtClean="0">
                 <a:cs typeface="Consolas" panose="020B0609020204030204" pitchFamily="49" charset="0"/>
               </a:rPr>
               <a:t>pointer Local Variable</a:t>
@@ -4101,8 +4073,8 @@
         </p:nvSpPr>
         <p:spPr>
           <a:xfrm rot="2186425">
-            <a:off x="4711925" y="1488612"/>
-            <a:ext cx="940158" cy="1017431"/>
+            <a:off x="4807238" y="1519987"/>
+            <a:ext cx="940158" cy="696503"/>
           </a:xfrm>
           <a:prstGeom prst="rect">
             <a:avLst/>
@@ -4140,8 +4112,7 @@
           <a:p>
             <a:pPr algn="ctr"/>
             <a:r>
-              <a:rPr lang="en-US" altLang="zh-CN" sz="1100" dirty="0" smtClean="0">
-                <a:latin typeface="Consolas" panose="020B0609020204030204" pitchFamily="49" charset="0"/>
+              <a:rPr lang="en-US" altLang="zh-CN" sz="1600" dirty="0" smtClean="0">
                 <a:cs typeface="Consolas" panose="020B0609020204030204" pitchFamily="49" charset="0"/>
               </a:rPr>
               <a:t>Next</a:t>
@@ -4150,14 +4121,12 @@
           <a:p>
             <a:pPr algn="ctr"/>
             <a:r>
-              <a:rPr lang="en-US" altLang="zh-CN" sz="1100" dirty="0" smtClean="0">
-                <a:latin typeface="Consolas" panose="020B0609020204030204" pitchFamily="49" charset="0"/>
+              <a:rPr lang="en-US" altLang="zh-CN" sz="1600" dirty="0" smtClean="0">
                 <a:cs typeface="Consolas" panose="020B0609020204030204" pitchFamily="49" charset="0"/>
               </a:rPr>
               <a:t>pointer</a:t>
             </a:r>
-            <a:endParaRPr lang="zh-CN" altLang="en-US" sz="1100" dirty="0">
-              <a:latin typeface="Consolas" panose="020B0609020204030204" pitchFamily="49" charset="0"/>
+            <a:endParaRPr lang="zh-CN" altLang="en-US" sz="1600" dirty="0">
               <a:cs typeface="Consolas" panose="020B0609020204030204" pitchFamily="49" charset="0"/>
             </a:endParaRPr>
           </a:p>
@@ -4207,8 +4176,7 @@
           <a:lstStyle/>
           <a:p>
             <a:pPr algn="ctr"/>
-            <a:endParaRPr lang="zh-CN" altLang="en-US" sz="1100">
-              <a:latin typeface="Consolas" panose="020B0609020204030204" pitchFamily="49" charset="0"/>
+            <a:endParaRPr lang="zh-CN" altLang="en-US" sz="1600">
               <a:cs typeface="Consolas" panose="020B0609020204030204" pitchFamily="49" charset="0"/>
             </a:endParaRPr>
           </a:p>
@@ -4258,8 +4226,7 @@
           <a:lstStyle/>
           <a:p>
             <a:pPr algn="ctr"/>
-            <a:endParaRPr lang="zh-CN" altLang="en-US" sz="1100">
-              <a:latin typeface="Consolas" panose="020B0609020204030204" pitchFamily="49" charset="0"/>
+            <a:endParaRPr lang="zh-CN" altLang="en-US" sz="1600">
               <a:cs typeface="Consolas" panose="020B0609020204030204" pitchFamily="49" charset="0"/>
             </a:endParaRPr>
           </a:p>
@@ -4273,7 +4240,7 @@
         </p:nvSpPr>
         <p:spPr>
           <a:xfrm>
-            <a:off x="7042423" y="4002386"/>
+            <a:off x="7009324" y="3786390"/>
             <a:ext cx="289775" cy="894527"/>
           </a:xfrm>
           <a:prstGeom prst="downArrow">
@@ -4408,8 +4375,7 @@
           </a:lstStyle>
           <a:p>
             <a:pPr algn="ctr"/>
-            <a:endParaRPr lang="zh-CN" altLang="en-US" sz="1100">
-              <a:latin typeface="Consolas" panose="020B0609020204030204" pitchFamily="49" charset="0"/>
+            <a:endParaRPr lang="zh-CN" altLang="en-US" sz="1600">
               <a:cs typeface="Consolas" panose="020B0609020204030204" pitchFamily="49" charset="0"/>
             </a:endParaRPr>
           </a:p>
@@ -4459,8 +4425,7 @@
           <a:lstStyle/>
           <a:p>
             <a:pPr algn="ctr"/>
-            <a:endParaRPr lang="zh-CN" altLang="en-US" sz="1100">
-              <a:latin typeface="Consolas" panose="020B0609020204030204" pitchFamily="49" charset="0"/>
+            <a:endParaRPr lang="zh-CN" altLang="en-US" sz="1600">
               <a:cs typeface="Consolas" panose="020B0609020204030204" pitchFamily="49" charset="0"/>
             </a:endParaRPr>
           </a:p>
@@ -4513,8 +4478,7 @@
           <a:p>
             <a:pPr algn="ctr"/>
             <a:r>
-              <a:rPr lang="en-US" altLang="zh-CN" sz="1050" dirty="0" smtClean="0">
-                <a:latin typeface="Consolas" panose="020B0609020204030204" pitchFamily="49" charset="0"/>
+              <a:rPr lang="en-US" altLang="zh-CN" sz="1400" dirty="0" smtClean="0">
                 <a:cs typeface="Consolas" panose="020B0609020204030204" pitchFamily="49" charset="0"/>
               </a:rPr>
               <a:t>Map</a:t>
@@ -4523,14 +4487,12 @@
           <a:p>
             <a:pPr algn="ctr"/>
             <a:r>
-              <a:rPr lang="en-US" altLang="zh-CN" sz="1050" dirty="0" smtClean="0">
-                <a:latin typeface="Consolas" panose="020B0609020204030204" pitchFamily="49" charset="0"/>
+              <a:rPr lang="en-US" altLang="zh-CN" sz="1400" dirty="0" smtClean="0">
                 <a:cs typeface="Consolas" panose="020B0609020204030204" pitchFamily="49" charset="0"/>
               </a:rPr>
               <a:t>&lt;std::string, Object*&gt;</a:t>
             </a:r>
-            <a:endParaRPr lang="zh-CN" altLang="en-US" sz="1050" dirty="0">
-              <a:latin typeface="Consolas" panose="020B0609020204030204" pitchFamily="49" charset="0"/>
+            <a:endParaRPr lang="zh-CN" altLang="en-US" sz="1400" dirty="0">
               <a:cs typeface="Consolas" panose="020B0609020204030204" pitchFamily="49" charset="0"/>
             </a:endParaRPr>
           </a:p>
@@ -4580,8 +4542,7 @@
           <a:lstStyle/>
           <a:p>
             <a:pPr algn="ctr"/>
-            <a:endParaRPr lang="zh-CN" altLang="en-US" sz="1100">
-              <a:latin typeface="Consolas" panose="020B0609020204030204" pitchFamily="49" charset="0"/>
+            <a:endParaRPr lang="zh-CN" altLang="en-US" sz="1600">
               <a:cs typeface="Consolas" panose="020B0609020204030204" pitchFamily="49" charset="0"/>
             </a:endParaRPr>
           </a:p>
@@ -4595,8 +4556,8 @@
         </p:nvSpPr>
         <p:spPr>
           <a:xfrm>
-            <a:off x="7703364" y="935451"/>
-            <a:ext cx="965915" cy="1017431"/>
+            <a:off x="7640903" y="1187799"/>
+            <a:ext cx="965915" cy="751636"/>
           </a:xfrm>
           <a:prstGeom prst="rect">
             <a:avLst/>
@@ -4634,8 +4595,7 @@
           <a:p>
             <a:pPr algn="ctr"/>
             <a:r>
-              <a:rPr lang="en-US" altLang="zh-CN" sz="1100" dirty="0" smtClean="0">
-                <a:latin typeface="Consolas" panose="020B0609020204030204" pitchFamily="49" charset="0"/>
+              <a:rPr lang="en-US" altLang="zh-CN" sz="1600" dirty="0" smtClean="0">
                 <a:cs typeface="Consolas" panose="020B0609020204030204" pitchFamily="49" charset="0"/>
               </a:rPr>
               <a:t>pointer Local Variable</a:t>
@@ -4651,8 +4611,8 @@
         </p:nvSpPr>
         <p:spPr>
           <a:xfrm>
-            <a:off x="6763206" y="935451"/>
-            <a:ext cx="940158" cy="1017431"/>
+            <a:off x="6700745" y="1187799"/>
+            <a:ext cx="940158" cy="751636"/>
           </a:xfrm>
           <a:prstGeom prst="rect">
             <a:avLst/>
@@ -4690,8 +4650,7 @@
           <a:p>
             <a:pPr algn="ctr"/>
             <a:r>
-              <a:rPr lang="en-US" altLang="zh-CN" sz="1100" dirty="0" smtClean="0">
-                <a:latin typeface="Consolas" panose="020B0609020204030204" pitchFamily="49" charset="0"/>
+              <a:rPr lang="en-US" altLang="zh-CN" sz="1600" dirty="0" smtClean="0">
                 <a:cs typeface="Consolas" panose="020B0609020204030204" pitchFamily="49" charset="0"/>
               </a:rPr>
               <a:t>Next</a:t>
@@ -4700,14 +4659,12 @@
           <a:p>
             <a:pPr algn="ctr"/>
             <a:r>
-              <a:rPr lang="en-US" altLang="zh-CN" sz="1100" dirty="0" smtClean="0">
-                <a:latin typeface="Consolas" panose="020B0609020204030204" pitchFamily="49" charset="0"/>
+              <a:rPr lang="en-US" altLang="zh-CN" sz="1600" dirty="0" smtClean="0">
                 <a:cs typeface="Consolas" panose="020B0609020204030204" pitchFamily="49" charset="0"/>
               </a:rPr>
               <a:t>pointer</a:t>
             </a:r>
-            <a:endParaRPr lang="zh-CN" altLang="en-US" sz="1100" dirty="0">
-              <a:latin typeface="Consolas" panose="020B0609020204030204" pitchFamily="49" charset="0"/>
+            <a:endParaRPr lang="zh-CN" altLang="en-US" sz="1600" dirty="0">
               <a:cs typeface="Consolas" panose="020B0609020204030204" pitchFamily="49" charset="0"/>
             </a:endParaRPr>
           </a:p>
@@ -4721,7 +4678,7 @@
         </p:nvSpPr>
         <p:spPr>
           <a:xfrm>
-            <a:off x="8823826" y="1270111"/>
+            <a:off x="8698904" y="1354345"/>
             <a:ext cx="785611" cy="296214"/>
           </a:xfrm>
           <a:prstGeom prst="rightArrow">
@@ -4757,8 +4714,7 @@
           <a:lstStyle/>
           <a:p>
             <a:pPr algn="ctr"/>
-            <a:endParaRPr lang="zh-CN" altLang="en-US" sz="1100">
-              <a:latin typeface="Consolas" panose="020B0609020204030204" pitchFamily="49" charset="0"/>
+            <a:endParaRPr lang="zh-CN" altLang="en-US" sz="1600">
               <a:cs typeface="Consolas" panose="020B0609020204030204" pitchFamily="49" charset="0"/>
             </a:endParaRPr>
           </a:p>
@@ -4772,7 +4728,7 @@
         </p:nvSpPr>
         <p:spPr>
           <a:xfrm>
-            <a:off x="9357519" y="664915"/>
+            <a:off x="9232597" y="749149"/>
             <a:ext cx="2126818" cy="1313645"/>
           </a:xfrm>
           <a:prstGeom prst="triangle">
@@ -4811,8 +4767,7 @@
           <a:p>
             <a:pPr algn="ctr"/>
             <a:r>
-              <a:rPr lang="en-US" altLang="zh-CN" sz="1050" dirty="0" smtClean="0">
-                <a:latin typeface="Consolas" panose="020B0609020204030204" pitchFamily="49" charset="0"/>
+              <a:rPr lang="en-US" altLang="zh-CN" sz="1400" dirty="0" smtClean="0">
                 <a:cs typeface="Consolas" panose="020B0609020204030204" pitchFamily="49" charset="0"/>
               </a:rPr>
               <a:t>Map</a:t>
@@ -4821,14 +4776,12 @@
           <a:p>
             <a:pPr algn="ctr"/>
             <a:r>
-              <a:rPr lang="en-US" altLang="zh-CN" sz="1050" dirty="0" smtClean="0">
-                <a:latin typeface="Consolas" panose="020B0609020204030204" pitchFamily="49" charset="0"/>
+              <a:rPr lang="en-US" altLang="zh-CN" sz="1400" dirty="0" smtClean="0">
                 <a:cs typeface="Consolas" panose="020B0609020204030204" pitchFamily="49" charset="0"/>
               </a:rPr>
               <a:t>&lt;std::string, Object*&gt;</a:t>
             </a:r>
-            <a:endParaRPr lang="zh-CN" altLang="en-US" sz="1050" dirty="0">
-              <a:latin typeface="Consolas" panose="020B0609020204030204" pitchFamily="49" charset="0"/>
+            <a:endParaRPr lang="zh-CN" altLang="en-US" sz="1400" dirty="0">
               <a:cs typeface="Consolas" panose="020B0609020204030204" pitchFamily="49" charset="0"/>
             </a:endParaRPr>
           </a:p>
